--- a/Yelp Restaurant Reviews Classification and Insights Generation.pptx
+++ b/Yelp Restaurant Reviews Classification and Insights Generation.pptx
@@ -23106,7 +23106,7 @@
             </a:pPr>
             <a:r>
               <a:rPr lang="en-US" sz="2000" dirty="0"/>
-              <a:t>I thank my Data Science mentor Dr Alex </a:t>
+              <a:t>I am thankful to my Data Science mentor Dr Alex </a:t>
             </a:r>
             <a:r>
               <a:rPr lang="en-US" sz="2000" dirty="0" err="1"/>
@@ -23124,7 +23124,15 @@
             </a:pPr>
             <a:r>
               <a:rPr lang="en-US" sz="2000" dirty="0"/>
-              <a:t>I am thankful to writers of NLP related articles on datacamp and medium, that served as relevant references on the subject.</a:t>
+              <a:t>I thank </a:t>
+            </a:r>
+            <a:r>
+              <a:rPr lang="en-US" sz="2000"/>
+              <a:t>all the writers </a:t>
+            </a:r>
+            <a:r>
+              <a:rPr lang="en-US" sz="2000" dirty="0"/>
+              <a:t>of NLP related articles on datacamp and medium, that served as relevant references on the subject.</a:t>
             </a:r>
           </a:p>
         </p:txBody>
